--- a/ppt/scala-beg-training.pptx
+++ b/ppt/scala-beg-training.pptx
@@ -6,17 +6,20 @@
     <p:sldMasterId id="2147483673" r:id="rId2"/>
   </p:sldMasterIdLst>
   <p:notesMasterIdLst>
-    <p:notesMasterId r:id="rId8"/>
+    <p:notesMasterId r:id="rId11"/>
   </p:notesMasterIdLst>
   <p:handoutMasterIdLst>
-    <p:handoutMasterId r:id="rId9"/>
+    <p:handoutMasterId r:id="rId12"/>
   </p:handoutMasterIdLst>
   <p:sldIdLst>
     <p:sldId id="344" r:id="rId3"/>
-    <p:sldId id="346" r:id="rId4"/>
-    <p:sldId id="347" r:id="rId5"/>
-    <p:sldId id="348" r:id="rId6"/>
-    <p:sldId id="349" r:id="rId7"/>
+    <p:sldId id="351" r:id="rId4"/>
+    <p:sldId id="352" r:id="rId5"/>
+    <p:sldId id="346" r:id="rId6"/>
+    <p:sldId id="348" r:id="rId7"/>
+    <p:sldId id="347" r:id="rId8"/>
+    <p:sldId id="350" r:id="rId9"/>
+    <p:sldId id="349" r:id="rId10"/>
   </p:sldIdLst>
   <p:sldSz cx="9144000" cy="6858000" type="screen4x3"/>
   <p:notesSz cx="6858000" cy="9144000"/>
@@ -115,6 +118,22 @@
       </a:defRPr>
     </a:lvl9pPr>
   </p:defaultTextStyle>
+  <p:extLst>
+    <p:ext uri="{EFAFB233-063F-42B5-8137-9DF3F51BA10A}">
+      <p15:sldGuideLst xmlns:p15="http://schemas.microsoft.com/office/powerpoint/2012/main">
+        <p15:guide id="1" orient="horz" pos="902">
+          <p15:clr>
+            <a:srgbClr val="A4A3A4"/>
+          </p15:clr>
+        </p15:guide>
+        <p15:guide id="2" pos="5469">
+          <p15:clr>
+            <a:srgbClr val="A4A3A4"/>
+          </p15:clr>
+        </p15:guide>
+      </p15:sldGuideLst>
+    </p:ext>
+  </p:extLst>
 </p:presentation>
 </file>
 
@@ -201,7 +220,7 @@
             <a:fld id="{EA9F7FF7-50CD-D74F-8521-E72DB68B670C}" type="datetimeFigureOut">
               <a:rPr lang="en-US" smtClean="0"/>
               <a:pPr/>
-              <a:t>9/1/2013</a:t>
+              <a:t>9/4/2013</a:t>
             </a:fld>
             <a:endParaRPr lang="en-US"/>
           </a:p>
@@ -277,7 +296,7 @@
     </p:spTree>
     <p:extLst>
       <p:ext uri="{BB962C8B-B14F-4D97-AF65-F5344CB8AC3E}">
-        <p14:creationId xmlns:p14="http://schemas.microsoft.com/office/powerpoint/2010/main" xmlns="" val="1769780812"/>
+        <p14:creationId xmlns:p14="http://schemas.microsoft.com/office/powerpoint/2010/main" val="1769780812"/>
       </p:ext>
     </p:extLst>
   </p:cSld>
@@ -369,7 +388,7 @@
             <a:fld id="{9DD1DD9B-E140-4D76-B427-DF4838D859EA}" type="datetimeFigureOut">
               <a:rPr lang="en-US" smtClean="0"/>
               <a:pPr/>
-              <a:t>9/1/2013</a:t>
+              <a:t>9/4/2013</a:t>
             </a:fld>
             <a:endParaRPr lang="en-US"/>
           </a:p>
@@ -538,7 +557,7 @@
     </p:spTree>
     <p:extLst>
       <p:ext uri="{BB962C8B-B14F-4D97-AF65-F5344CB8AC3E}">
-        <p14:creationId xmlns:p14="http://schemas.microsoft.com/office/powerpoint/2010/main" xmlns="" val="1378658011"/>
+        <p14:creationId xmlns:p14="http://schemas.microsoft.com/office/powerpoint/2010/main" val="1378658011"/>
       </p:ext>
     </p:extLst>
   </p:cSld>
@@ -754,7 +773,7 @@
           <a:blip r:embed="rId2" cstate="print">
             <a:extLst>
               <a:ext uri="{28A0092B-C50C-407E-A947-70E740481C1C}">
-                <a14:useLocalDpi xmlns:a14="http://schemas.microsoft.com/office/drawing/2010/main" xmlns="" val="0"/>
+                <a14:useLocalDpi xmlns:a14="http://schemas.microsoft.com/office/drawing/2010/main" val="0"/>
               </a:ext>
             </a:extLst>
           </a:blip>
@@ -1133,7 +1152,7 @@
     </p:spTree>
     <p:extLst>
       <p:ext uri="{BB962C8B-B14F-4D97-AF65-F5344CB8AC3E}">
-        <p14:creationId xmlns:p14="http://schemas.microsoft.com/office/powerpoint/2010/main" xmlns="" val="4239108275"/>
+        <p14:creationId xmlns:p14="http://schemas.microsoft.com/office/powerpoint/2010/main" val="4239108275"/>
       </p:ext>
     </p:extLst>
   </p:cSld>
@@ -1426,7 +1445,7 @@
     </p:spTree>
     <p:extLst>
       <p:ext uri="{BB962C8B-B14F-4D97-AF65-F5344CB8AC3E}">
-        <p14:creationId xmlns:p14="http://schemas.microsoft.com/office/powerpoint/2010/main" xmlns="" val="2257166565"/>
+        <p14:creationId xmlns:p14="http://schemas.microsoft.com/office/powerpoint/2010/main" val="2257166565"/>
       </p:ext>
     </p:extLst>
   </p:cSld>
@@ -1747,7 +1766,7 @@
     </p:spTree>
     <p:extLst>
       <p:ext uri="{BB962C8B-B14F-4D97-AF65-F5344CB8AC3E}">
-        <p14:creationId xmlns:p14="http://schemas.microsoft.com/office/powerpoint/2010/main" xmlns="" val="2271845051"/>
+        <p14:creationId xmlns:p14="http://schemas.microsoft.com/office/powerpoint/2010/main" val="2271845051"/>
       </p:ext>
     </p:extLst>
   </p:cSld>
@@ -2127,7 +2146,7 @@
     </p:spTree>
     <p:extLst>
       <p:ext uri="{BB962C8B-B14F-4D97-AF65-F5344CB8AC3E}">
-        <p14:creationId xmlns:p14="http://schemas.microsoft.com/office/powerpoint/2010/main" xmlns="" val="2471335651"/>
+        <p14:creationId xmlns:p14="http://schemas.microsoft.com/office/powerpoint/2010/main" val="2471335651"/>
       </p:ext>
     </p:extLst>
   </p:cSld>
@@ -2269,7 +2288,7 @@
     </p:spTree>
     <p:extLst>
       <p:ext uri="{BB962C8B-B14F-4D97-AF65-F5344CB8AC3E}">
-        <p14:creationId xmlns:p14="http://schemas.microsoft.com/office/powerpoint/2010/main" xmlns="" val="3224920802"/>
+        <p14:creationId xmlns:p14="http://schemas.microsoft.com/office/powerpoint/2010/main" val="3224920802"/>
       </p:ext>
     </p:extLst>
   </p:cSld>
@@ -2523,7 +2542,7 @@
     </p:spTree>
     <p:extLst>
       <p:ext uri="{BB962C8B-B14F-4D97-AF65-F5344CB8AC3E}">
-        <p14:creationId xmlns:p14="http://schemas.microsoft.com/office/powerpoint/2010/main" xmlns="" val="1770615203"/>
+        <p14:creationId xmlns:p14="http://schemas.microsoft.com/office/powerpoint/2010/main" val="1770615203"/>
       </p:ext>
     </p:extLst>
   </p:cSld>
@@ -2778,7 +2797,7 @@
     </p:spTree>
     <p:extLst>
       <p:ext uri="{BB962C8B-B14F-4D97-AF65-F5344CB8AC3E}">
-        <p14:creationId xmlns:p14="http://schemas.microsoft.com/office/powerpoint/2010/main" xmlns="" val="4090088048"/>
+        <p14:creationId xmlns:p14="http://schemas.microsoft.com/office/powerpoint/2010/main" val="4090088048"/>
       </p:ext>
     </p:extLst>
   </p:cSld>
@@ -3040,7 +3059,7 @@
     </p:spTree>
     <p:extLst>
       <p:ext uri="{BB962C8B-B14F-4D97-AF65-F5344CB8AC3E}">
-        <p14:creationId xmlns:p14="http://schemas.microsoft.com/office/powerpoint/2010/main" xmlns="" val="3236632729"/>
+        <p14:creationId xmlns:p14="http://schemas.microsoft.com/office/powerpoint/2010/main" val="3236632729"/>
       </p:ext>
     </p:extLst>
   </p:cSld>
@@ -3191,7 +3210,7 @@
     </p:spTree>
     <p:extLst>
       <p:ext uri="{BB962C8B-B14F-4D97-AF65-F5344CB8AC3E}">
-        <p14:creationId xmlns:p14="http://schemas.microsoft.com/office/powerpoint/2010/main" xmlns="" val="1106676624"/>
+        <p14:creationId xmlns:p14="http://schemas.microsoft.com/office/powerpoint/2010/main" val="1106676624"/>
       </p:ext>
     </p:extLst>
   </p:cSld>
@@ -3319,7 +3338,7 @@
     </p:spTree>
     <p:extLst>
       <p:ext uri="{BB962C8B-B14F-4D97-AF65-F5344CB8AC3E}">
-        <p14:creationId xmlns:p14="http://schemas.microsoft.com/office/powerpoint/2010/main" xmlns="" val="3497551044"/>
+        <p14:creationId xmlns:p14="http://schemas.microsoft.com/office/powerpoint/2010/main" val="3497551044"/>
       </p:ext>
     </p:extLst>
   </p:cSld>
@@ -3622,7 +3641,7 @@
     </p:spTree>
     <p:extLst>
       <p:ext uri="{BB962C8B-B14F-4D97-AF65-F5344CB8AC3E}">
-        <p14:creationId xmlns:p14="http://schemas.microsoft.com/office/powerpoint/2010/main" xmlns="" val="290792665"/>
+        <p14:creationId xmlns:p14="http://schemas.microsoft.com/office/powerpoint/2010/main" val="290792665"/>
       </p:ext>
     </p:extLst>
   </p:cSld>
@@ -3801,7 +3820,7 @@
     </p:spTree>
     <p:extLst>
       <p:ext uri="{BB962C8B-B14F-4D97-AF65-F5344CB8AC3E}">
-        <p14:creationId xmlns:p14="http://schemas.microsoft.com/office/powerpoint/2010/main" xmlns="" val="1975346727"/>
+        <p14:creationId xmlns:p14="http://schemas.microsoft.com/office/powerpoint/2010/main" val="1975346727"/>
       </p:ext>
     </p:extLst>
   </p:cSld>
@@ -3996,7 +4015,7 @@
     </p:spTree>
     <p:extLst>
       <p:ext uri="{BB962C8B-B14F-4D97-AF65-F5344CB8AC3E}">
-        <p14:creationId xmlns:p14="http://schemas.microsoft.com/office/powerpoint/2010/main" xmlns="" val="3352384571"/>
+        <p14:creationId xmlns:p14="http://schemas.microsoft.com/office/powerpoint/2010/main" val="3352384571"/>
       </p:ext>
     </p:extLst>
   </p:cSld>
@@ -4510,7 +4529,7 @@
           <a:blip r:embed="rId12" cstate="print">
             <a:extLst>
               <a:ext uri="{28A0092B-C50C-407E-A947-70E740481C1C}">
-                <a14:useLocalDpi xmlns:a14="http://schemas.microsoft.com/office/drawing/2010/main" xmlns="" val="0"/>
+                <a14:useLocalDpi xmlns:a14="http://schemas.microsoft.com/office/drawing/2010/main" val="0"/>
               </a:ext>
             </a:extLst>
           </a:blip>
@@ -4898,7 +4917,7 @@
     </p:spTree>
     <p:extLst>
       <p:ext uri="{BB962C8B-B14F-4D97-AF65-F5344CB8AC3E}">
-        <p14:creationId xmlns:p14="http://schemas.microsoft.com/office/powerpoint/2010/main" xmlns="" val="401980022"/>
+        <p14:creationId xmlns:p14="http://schemas.microsoft.com/office/powerpoint/2010/main" val="401980022"/>
       </p:ext>
     </p:extLst>
   </p:cSld>
@@ -5257,8 +5276,8 @@
           <a:lstStyle/>
           <a:p>
             <a:r>
-              <a:rPr lang="en-US" dirty="0" smtClean="0"/>
-              <a:t>Main Template</a:t>
+              <a:rPr lang="hu-HU" dirty="0" smtClean="0"/>
+              <a:t>Denes Borbas</a:t>
             </a:r>
             <a:endParaRPr lang="en-US" dirty="0"/>
           </a:p>
@@ -5319,7 +5338,7 @@
     </p:spTree>
     <p:extLst>
       <p:ext uri="{BB962C8B-B14F-4D97-AF65-F5344CB8AC3E}">
-        <p14:creationId xmlns:p14="http://schemas.microsoft.com/office/powerpoint/2010/main" xmlns="" val="1441678875"/>
+        <p14:creationId xmlns:p14="http://schemas.microsoft.com/office/powerpoint/2010/main" val="1441678875"/>
       </p:ext>
     </p:extLst>
   </p:cSld>
@@ -5355,7 +5374,7 @@
       </p:grpSpPr>
       <p:sp>
         <p:nvSpPr>
-          <p:cNvPr id="2" name="Szöveg helye 1"/>
+          <p:cNvPr id="2" name="Text Placeholder 1"/>
           <p:cNvSpPr>
             <a:spLocks noGrp="1"/>
           </p:cNvSpPr>
@@ -5368,13 +5387,13 @@
           <a:bodyPr/>
           <a:lstStyle/>
           <a:p>
-            <a:endParaRPr lang="hu-HU"/>
-          </a:p>
-        </p:txBody>
-      </p:sp>
-      <p:sp>
-        <p:nvSpPr>
-          <p:cNvPr id="3" name="Tartalom helye 2"/>
+            <a:endParaRPr lang="en-US"/>
+          </a:p>
+        </p:txBody>
+      </p:sp>
+      <p:sp>
+        <p:nvSpPr>
+          <p:cNvPr id="3" name="Content Placeholder 2"/>
           <p:cNvSpPr>
             <a:spLocks noGrp="1"/>
           </p:cNvSpPr>
@@ -5387,84 +5406,133 @@
           <a:bodyPr/>
           <a:lstStyle/>
           <a:p>
-            <a:r>
-              <a:rPr lang="hu-HU" dirty="0" smtClean="0">
-                <a:hlinkClick r:id="rId2"/>
-              </a:rPr>
-              <a:t>http://scala-ide.org</a:t>
-            </a:r>
-            <a:r>
-              <a:rPr lang="hu-HU" dirty="0" smtClean="0">
-                <a:hlinkClick r:id="rId2"/>
-              </a:rPr>
-              <a:t>/</a:t>
+            <a:pPr marL="514350" indent="-514350">
+              <a:buFont typeface="+mj-lt"/>
+              <a:buAutoNum type="arabicPeriod"/>
+            </a:pPr>
+            <a:r>
+              <a:rPr lang="hu-HU" dirty="0" err="1" smtClean="0"/>
+              <a:t>What</a:t>
+            </a:r>
+            <a:r>
+              <a:rPr lang="hu-HU" dirty="0" smtClean="0"/>
+              <a:t> is Scala</a:t>
+            </a:r>
+          </a:p>
+          <a:p>
+            <a:pPr marL="514350" indent="-514350">
+              <a:buFont typeface="+mj-lt"/>
+              <a:buAutoNum type="arabicPeriod"/>
+            </a:pPr>
+            <a:r>
+              <a:rPr lang="hu-HU" dirty="0" err="1"/>
+              <a:t>Resources</a:t>
+            </a:r>
+            <a:r>
+              <a:rPr lang="hu-HU" dirty="0"/>
+              <a:t> </a:t>
+            </a:r>
+            <a:r>
+              <a:rPr lang="hu-HU" dirty="0" err="1"/>
+              <a:t>for</a:t>
+            </a:r>
+            <a:r>
+              <a:rPr lang="hu-HU" dirty="0"/>
+              <a:t> </a:t>
+            </a:r>
+            <a:r>
+              <a:rPr lang="hu-HU" dirty="0" err="1"/>
+              <a:t>beginners</a:t>
+            </a:r>
+            <a:endParaRPr lang="hu-HU" dirty="0"/>
+          </a:p>
+          <a:p>
+            <a:pPr marL="514350" indent="-514350">
+              <a:buFont typeface="+mj-lt"/>
+              <a:buAutoNum type="arabicPeriod"/>
+            </a:pPr>
+            <a:r>
+              <a:rPr lang="hu-HU" dirty="0" err="1" smtClean="0"/>
+              <a:t>Scla</a:t>
+            </a:r>
+            <a:r>
+              <a:rPr lang="hu-HU" dirty="0" smtClean="0"/>
+              <a:t> </a:t>
+            </a:r>
+            <a:r>
+              <a:rPr lang="hu-HU" dirty="0" err="1" smtClean="0"/>
+              <a:t>IDEs</a:t>
+            </a:r>
+            <a:r>
+              <a:rPr lang="hu-HU" dirty="0" smtClean="0"/>
+              <a:t> and </a:t>
+            </a:r>
+            <a:r>
+              <a:rPr lang="hu-HU" dirty="0" err="1" smtClean="0"/>
+              <a:t>build</a:t>
+            </a:r>
+            <a:r>
+              <a:rPr lang="hu-HU" dirty="0" smtClean="0"/>
+              <a:t> </a:t>
+            </a:r>
+            <a:r>
+              <a:rPr lang="hu-HU" dirty="0" err="1" smtClean="0"/>
+              <a:t>tools</a:t>
             </a:r>
             <a:endParaRPr lang="hu-HU" dirty="0" smtClean="0"/>
           </a:p>
           <a:p>
-            <a:r>
-              <a:rPr lang="hu-HU" dirty="0" err="1" smtClean="0"/>
-              <a:t>for</a:t>
+            <a:pPr marL="514350" indent="-514350">
+              <a:buFont typeface="+mj-lt"/>
+              <a:buAutoNum type="arabicPeriod"/>
+            </a:pPr>
+            <a:r>
+              <a:rPr lang="hu-HU" dirty="0" err="1" smtClean="0"/>
+              <a:t>Programming</a:t>
             </a:r>
             <a:r>
               <a:rPr lang="hu-HU" dirty="0" smtClean="0"/>
               <a:t> </a:t>
             </a:r>
             <a:r>
-              <a:rPr lang="hu-HU" dirty="0" smtClean="0"/>
-              <a:t>Scala </a:t>
-            </a:r>
-            <a:r>
-              <a:rPr lang="hu-HU" dirty="0" smtClean="0"/>
-              <a:t>2.10, </a:t>
-            </a:r>
-            <a:r>
-              <a:rPr lang="hu-HU" dirty="0" err="1" smtClean="0"/>
-              <a:t>based</a:t>
-            </a:r>
-            <a:r>
-              <a:rPr lang="hu-HU" dirty="0" smtClean="0"/>
-              <a:t> </a:t>
-            </a:r>
-            <a:r>
-              <a:rPr lang="hu-HU" dirty="0" err="1" smtClean="0"/>
-              <a:t>on</a:t>
-            </a:r>
-            <a:r>
-              <a:rPr lang="hu-HU" dirty="0" smtClean="0"/>
-              <a:t> </a:t>
-            </a:r>
-            <a:r>
-              <a:rPr lang="hu-HU" dirty="0" err="1" smtClean="0"/>
-              <a:t>Eclipse</a:t>
-            </a:r>
-            <a:r>
-              <a:rPr lang="hu-HU" dirty="0" smtClean="0"/>
-              <a:t> 3.7 (</a:t>
-            </a:r>
-            <a:r>
-              <a:rPr lang="hu-HU" dirty="0" err="1" smtClean="0"/>
-              <a:t>Indigo</a:t>
-            </a:r>
-            <a:r>
-              <a:rPr lang="hu-HU" dirty="0" smtClean="0"/>
-              <a:t>)</a:t>
-            </a:r>
-          </a:p>
-          <a:p>
-            <a:r>
-              <a:rPr lang="hu-HU" dirty="0" smtClean="0"/>
-              <a:t>Java 6 (JDK 7)</a:t>
-            </a:r>
-          </a:p>
-          <a:p>
+              <a:rPr lang="hu-HU" dirty="0" err="1" smtClean="0"/>
+              <a:t>examples</a:t>
+            </a:r>
             <a:endParaRPr lang="hu-HU" dirty="0" smtClean="0"/>
           </a:p>
-        </p:txBody>
-      </p:sp>
-      <p:sp>
-        <p:nvSpPr>
-          <p:cNvPr id="4" name="Cím 3"/>
+          <a:p>
+            <a:pPr marL="514350" indent="-514350">
+              <a:buFont typeface="+mj-lt"/>
+              <a:buAutoNum type="arabicPeriod"/>
+            </a:pPr>
+            <a:endParaRPr lang="hu-HU" dirty="0" smtClean="0"/>
+          </a:p>
+          <a:p>
+            <a:pPr marL="514350" indent="-514350">
+              <a:buFont typeface="+mj-lt"/>
+              <a:buAutoNum type="arabicPeriod"/>
+            </a:pPr>
+            <a:endParaRPr lang="hu-HU" dirty="0" smtClean="0"/>
+          </a:p>
+          <a:p>
+            <a:pPr marL="514350" indent="-514350">
+              <a:buFont typeface="+mj-lt"/>
+              <a:buAutoNum type="arabicPeriod"/>
+            </a:pPr>
+            <a:endParaRPr lang="hu-HU" dirty="0" smtClean="0"/>
+          </a:p>
+          <a:p>
+            <a:pPr marL="514350" indent="-514350">
+              <a:buFont typeface="+mj-lt"/>
+              <a:buAutoNum type="arabicPeriod"/>
+            </a:pPr>
+            <a:endParaRPr lang="hu-HU" dirty="0" smtClean="0"/>
+          </a:p>
+        </p:txBody>
+      </p:sp>
+      <p:sp>
+        <p:nvSpPr>
+          <p:cNvPr id="4" name="Title 3"/>
           <p:cNvSpPr>
             <a:spLocks noGrp="1"/>
           </p:cNvSpPr>
@@ -5479,19 +5547,7 @@
           <a:p>
             <a:r>
               <a:rPr lang="hu-HU" dirty="0" smtClean="0"/>
-              <a:t>Scala IDE </a:t>
-            </a:r>
-            <a:r>
-              <a:rPr lang="en-US" dirty="0" smtClean="0"/>
-              <a:t>for Eclipse</a:t>
-            </a:r>
-            <a:r>
-              <a:rPr lang="hu-HU" dirty="0" smtClean="0"/>
-              <a:t> </a:t>
-            </a:r>
-            <a:r>
-              <a:rPr lang="hu-HU" dirty="0" smtClean="0"/>
-              <a:t>3.01</a:t>
+              <a:t>Agenda</a:t>
             </a:r>
             <a:endParaRPr lang="en-US" dirty="0"/>
           </a:p>
@@ -5499,7 +5555,7 @@
       </p:sp>
       <p:sp>
         <p:nvSpPr>
-          <p:cNvPr id="5" name="Élőláb helye 4"/>
+          <p:cNvPr id="5" name="Footer Placeholder 4"/>
           <p:cNvSpPr>
             <a:spLocks noGrp="1"/>
           </p:cNvSpPr>
@@ -5522,7 +5578,7 @@
       </p:sp>
       <p:sp>
         <p:nvSpPr>
-          <p:cNvPr id="6" name="Dia számának helye 5"/>
+          <p:cNvPr id="6" name="Slide Number Placeholder 5"/>
           <p:cNvSpPr>
             <a:spLocks noGrp="1"/>
           </p:cNvSpPr>
@@ -5545,6 +5601,11 @@
         </p:txBody>
       </p:sp>
     </p:spTree>
+    <p:extLst>
+      <p:ext uri="{BB962C8B-B14F-4D97-AF65-F5344CB8AC3E}">
+        <p14:creationId xmlns:p14="http://schemas.microsoft.com/office/powerpoint/2010/main" val="2634702086"/>
+      </p:ext>
+    </p:extLst>
   </p:cSld>
   <p:clrMapOvr>
     <a:masterClrMapping/>
@@ -5571,7 +5632,7 @@
       </p:grpSpPr>
       <p:sp>
         <p:nvSpPr>
-          <p:cNvPr id="2" name="Szöveg helye 1"/>
+          <p:cNvPr id="2" name="Text Placeholder 1"/>
           <p:cNvSpPr>
             <a:spLocks noGrp="1"/>
           </p:cNvSpPr>
@@ -5590,12 +5651,278 @@
       </p:sp>
       <p:sp>
         <p:nvSpPr>
-          <p:cNvPr id="3" name="Tartalom helye 2"/>
+          <p:cNvPr id="3" name="Content Placeholder 2"/>
           <p:cNvSpPr>
             <a:spLocks noGrp="1"/>
           </p:cNvSpPr>
           <p:nvPr>
             <p:ph sz="quarter" idx="14"/>
+          </p:nvPr>
+        </p:nvSpPr>
+        <p:spPr/>
+        <p:txBody>
+          <a:bodyPr>
+            <a:normAutofit lnSpcReduction="10000"/>
+          </a:bodyPr>
+          <a:lstStyle/>
+          <a:p>
+            <a:r>
+              <a:rPr lang="hu-HU" dirty="0" err="1" smtClean="0"/>
+              <a:t>Designed</a:t>
+            </a:r>
+            <a:r>
+              <a:rPr lang="hu-HU" dirty="0" smtClean="0"/>
+              <a:t> </a:t>
+            </a:r>
+            <a:r>
+              <a:rPr lang="hu-HU" dirty="0" err="1" smtClean="0"/>
+              <a:t>by</a:t>
+            </a:r>
+            <a:r>
+              <a:rPr lang="hu-HU" dirty="0" smtClean="0"/>
+              <a:t> </a:t>
+            </a:r>
+            <a:r>
+              <a:rPr lang="en-US" dirty="0"/>
+              <a:t>Martin </a:t>
+            </a:r>
+            <a:r>
+              <a:rPr lang="en-US" dirty="0" err="1" smtClean="0"/>
+              <a:t>Odersky</a:t>
+            </a:r>
+            <a:r>
+              <a:rPr lang="hu-HU" b="1" dirty="0"/>
+              <a:t> </a:t>
+            </a:r>
+            <a:r>
+              <a:rPr lang="hu-HU" dirty="0" smtClean="0"/>
+              <a:t>(</a:t>
+            </a:r>
+            <a:r>
+              <a:rPr lang="hu-HU" dirty="0" err="1" smtClean="0"/>
+              <a:t>first</a:t>
+            </a:r>
+            <a:r>
+              <a:rPr lang="hu-HU" dirty="0" smtClean="0"/>
+              <a:t> version </a:t>
+            </a:r>
+            <a:r>
+              <a:rPr lang="hu-HU" dirty="0" err="1" smtClean="0"/>
+              <a:t>in</a:t>
+            </a:r>
+            <a:r>
+              <a:rPr lang="hu-HU" dirty="0" smtClean="0"/>
+              <a:t> 2003?)</a:t>
+            </a:r>
+          </a:p>
+          <a:p>
+            <a:r>
+              <a:rPr lang="hu-HU" dirty="0" err="1" smtClean="0"/>
+              <a:t>Functional</a:t>
+            </a:r>
+            <a:r>
+              <a:rPr lang="hu-HU" dirty="0" smtClean="0"/>
+              <a:t> (</a:t>
+            </a:r>
+            <a:r>
+              <a:rPr lang="hu-HU" dirty="0" err="1" smtClean="0"/>
+              <a:t>postfunctional</a:t>
+            </a:r>
+            <a:r>
+              <a:rPr lang="hu-HU" dirty="0" smtClean="0"/>
+              <a:t> </a:t>
+            </a:r>
+            <a:r>
+              <a:rPr lang="hu-HU" dirty="0" smtClean="0">
+                <a:sym typeface="Wingdings" panose="05000000000000000000" pitchFamily="2" charset="2"/>
+              </a:rPr>
+              <a:t>)</a:t>
+            </a:r>
+          </a:p>
+          <a:p>
+            <a:pPr lvl="1"/>
+            <a:r>
+              <a:rPr lang="hu-HU" dirty="0" smtClean="0"/>
+              <a:t>Paralel </a:t>
+            </a:r>
+            <a:r>
+              <a:rPr lang="hu-HU" dirty="0" err="1" smtClean="0"/>
+              <a:t>progamming</a:t>
+            </a:r>
+            <a:r>
+              <a:rPr lang="hu-HU" dirty="0" smtClean="0"/>
+              <a:t> is </a:t>
+            </a:r>
+            <a:r>
+              <a:rPr lang="hu-HU" dirty="0" err="1" smtClean="0"/>
+              <a:t>much</a:t>
+            </a:r>
+            <a:r>
+              <a:rPr lang="hu-HU" dirty="0" smtClean="0"/>
+              <a:t> </a:t>
+            </a:r>
+            <a:r>
+              <a:rPr lang="hu-HU" dirty="0" err="1" smtClean="0"/>
+              <a:t>easier</a:t>
+            </a:r>
+            <a:endParaRPr lang="hu-HU" dirty="0" smtClean="0"/>
+          </a:p>
+          <a:p>
+            <a:r>
+              <a:rPr lang="hu-HU" dirty="0" err="1" smtClean="0"/>
+              <a:t>Object</a:t>
+            </a:r>
+            <a:r>
+              <a:rPr lang="hu-HU" dirty="0" smtClean="0"/>
+              <a:t> </a:t>
+            </a:r>
+            <a:r>
+              <a:rPr lang="hu-HU" dirty="0" err="1" smtClean="0"/>
+              <a:t>oriented</a:t>
+            </a:r>
+            <a:endParaRPr lang="hu-HU" dirty="0" smtClean="0"/>
+          </a:p>
+          <a:p>
+            <a:r>
+              <a:rPr lang="hu-HU" dirty="0" err="1" smtClean="0"/>
+              <a:t>Runs</a:t>
+            </a:r>
+            <a:r>
+              <a:rPr lang="hu-HU" dirty="0" smtClean="0"/>
+              <a:t> </a:t>
+            </a:r>
+            <a:r>
+              <a:rPr lang="hu-HU" dirty="0" err="1" smtClean="0"/>
+              <a:t>on</a:t>
+            </a:r>
+            <a:r>
+              <a:rPr lang="hu-HU" dirty="0" smtClean="0"/>
+              <a:t> JVM</a:t>
+            </a:r>
+          </a:p>
+          <a:p>
+            <a:r>
+              <a:rPr lang="hu-HU" dirty="0" smtClean="0"/>
+              <a:t>Java </a:t>
+            </a:r>
+            <a:r>
+              <a:rPr lang="hu-HU" dirty="0" err="1" smtClean="0"/>
+              <a:t>calsses</a:t>
+            </a:r>
+            <a:r>
+              <a:rPr lang="hu-HU" dirty="0" smtClean="0"/>
+              <a:t> </a:t>
+            </a:r>
+            <a:r>
+              <a:rPr lang="hu-HU" dirty="0" err="1" smtClean="0"/>
+              <a:t>can</a:t>
+            </a:r>
+            <a:r>
+              <a:rPr lang="hu-HU" dirty="0" smtClean="0"/>
+              <a:t> be </a:t>
+            </a:r>
+            <a:r>
+              <a:rPr lang="hu-HU" dirty="0" err="1" smtClean="0"/>
+              <a:t>easily</a:t>
+            </a:r>
+            <a:r>
+              <a:rPr lang="hu-HU" dirty="0" smtClean="0"/>
+              <a:t> </a:t>
+            </a:r>
+            <a:r>
+              <a:rPr lang="hu-HU" dirty="0" err="1" smtClean="0"/>
+              <a:t>used</a:t>
+            </a:r>
+            <a:endParaRPr lang="hu-HU" dirty="0" smtClean="0"/>
+          </a:p>
+          <a:p>
+            <a:r>
+              <a:rPr lang="hu-HU" dirty="0" smtClean="0"/>
+              <a:t>Scala </a:t>
+            </a:r>
+            <a:r>
+              <a:rPr lang="hu-HU" dirty="0" err="1" smtClean="0"/>
+              <a:t>calsses</a:t>
+            </a:r>
+            <a:r>
+              <a:rPr lang="hu-HU" dirty="0" smtClean="0"/>
+              <a:t> </a:t>
+            </a:r>
+            <a:r>
+              <a:rPr lang="hu-HU" dirty="0" err="1" smtClean="0"/>
+              <a:t>can</a:t>
+            </a:r>
+            <a:r>
+              <a:rPr lang="hu-HU" dirty="0" smtClean="0"/>
+              <a:t> be </a:t>
+            </a:r>
+            <a:r>
+              <a:rPr lang="hu-HU" dirty="0" err="1" smtClean="0"/>
+              <a:t>easily</a:t>
+            </a:r>
+            <a:r>
+              <a:rPr lang="hu-HU" dirty="0" smtClean="0"/>
+              <a:t> </a:t>
+            </a:r>
+            <a:r>
+              <a:rPr lang="hu-HU" dirty="0" err="1" smtClean="0"/>
+              <a:t>used</a:t>
+            </a:r>
+            <a:r>
+              <a:rPr lang="hu-HU" dirty="0" smtClean="0"/>
+              <a:t> </a:t>
+            </a:r>
+            <a:r>
+              <a:rPr lang="hu-HU" dirty="0" err="1" smtClean="0"/>
+              <a:t>in</a:t>
+            </a:r>
+            <a:r>
+              <a:rPr lang="hu-HU" dirty="0" smtClean="0"/>
+              <a:t> Java</a:t>
+            </a:r>
+          </a:p>
+          <a:p>
+            <a:r>
+              <a:rPr lang="hu-HU" dirty="0" err="1" smtClean="0"/>
+              <a:t>Scalable</a:t>
+            </a:r>
+            <a:r>
+              <a:rPr lang="hu-HU" dirty="0" smtClean="0"/>
+              <a:t> </a:t>
+            </a:r>
+            <a:r>
+              <a:rPr lang="hu-HU" dirty="0" err="1" smtClean="0"/>
+              <a:t>level</a:t>
+            </a:r>
+            <a:r>
+              <a:rPr lang="hu-HU" dirty="0" smtClean="0"/>
+              <a:t> of </a:t>
+            </a:r>
+            <a:r>
+              <a:rPr lang="hu-HU" dirty="0" err="1" smtClean="0"/>
+              <a:t>usage</a:t>
+            </a:r>
+            <a:endParaRPr lang="hu-HU" dirty="0" smtClean="0"/>
+          </a:p>
+          <a:p>
+            <a:endParaRPr lang="hu-HU" dirty="0" smtClean="0"/>
+          </a:p>
+          <a:p>
+            <a:endParaRPr lang="hu-HU" dirty="0" smtClean="0"/>
+          </a:p>
+          <a:p>
+            <a:endParaRPr lang="en-US" dirty="0"/>
+          </a:p>
+        </p:txBody>
+      </p:sp>
+      <p:sp>
+        <p:nvSpPr>
+          <p:cNvPr id="4" name="Title 3"/>
+          <p:cNvSpPr>
+            <a:spLocks noGrp="1"/>
+          </p:cNvSpPr>
+          <p:nvPr>
+            <p:ph type="title"/>
           </p:nvPr>
         </p:nvSpPr>
         <p:spPr/>
@@ -5604,54 +5931,25 @@
           <a:lstStyle/>
           <a:p>
             <a:r>
-              <a:rPr lang="en-US" dirty="0" smtClean="0"/>
-              <a:t>Project home: </a:t>
-            </a:r>
-            <a:r>
-              <a:rPr lang="en-US" dirty="0" smtClean="0">
-                <a:hlinkClick r:id="rId2"/>
-              </a:rPr>
-              <a:t>https://github.com/dcaoyuan/nbscala</a:t>
-            </a:r>
-            <a:endParaRPr lang="en-US" dirty="0" smtClean="0"/>
-          </a:p>
-          <a:p>
-            <a:r>
-              <a:rPr lang="en-US" dirty="0" smtClean="0"/>
-              <a:t>Latest </a:t>
-            </a:r>
-            <a:r>
-              <a:rPr lang="en-US" dirty="0" err="1" smtClean="0"/>
-              <a:t>plugin</a:t>
-            </a:r>
-            <a:r>
-              <a:rPr lang="en-US" dirty="0" smtClean="0"/>
-              <a:t> artifact: </a:t>
-            </a:r>
-            <a:r>
-              <a:rPr lang="en-US" sz="2800" dirty="0" smtClean="0"/>
-              <a:t>7.x_2.10.x, 2013-03-11</a:t>
-            </a:r>
-          </a:p>
-          <a:p>
-            <a:r>
-              <a:rPr lang="en-US" dirty="0" smtClean="0"/>
-              <a:t>Very small community, small number of users</a:t>
-            </a:r>
-          </a:p>
-          <a:p>
+              <a:rPr lang="hu-HU" dirty="0" err="1" smtClean="0"/>
+              <a:t>What</a:t>
+            </a:r>
+            <a:r>
+              <a:rPr lang="hu-HU" dirty="0" smtClean="0"/>
+              <a:t> is Scala</a:t>
+            </a:r>
             <a:endParaRPr lang="en-US" dirty="0"/>
           </a:p>
         </p:txBody>
       </p:sp>
       <p:sp>
         <p:nvSpPr>
-          <p:cNvPr id="4" name="Cím 3"/>
-          <p:cNvSpPr>
-            <a:spLocks noGrp="1"/>
-          </p:cNvSpPr>
-          <p:nvPr>
-            <p:ph type="title"/>
+          <p:cNvPr id="5" name="Footer Placeholder 4"/>
+          <p:cNvSpPr>
+            <a:spLocks noGrp="1"/>
+          </p:cNvSpPr>
+          <p:nvPr>
+            <p:ph type="ftr" sz="quarter" idx="16"/>
           </p:nvPr>
         </p:nvSpPr>
         <p:spPr/>
@@ -5660,49 +5958,6 @@
           <a:lstStyle/>
           <a:p>
             <a:r>
-              <a:rPr lang="hu-HU" dirty="0" smtClean="0"/>
-              <a:t>Scala </a:t>
-            </a:r>
-            <a:r>
-              <a:rPr lang="en-US" dirty="0" err="1" smtClean="0"/>
-              <a:t>plugin</a:t>
-            </a:r>
-            <a:r>
-              <a:rPr lang="hu-HU" dirty="0" smtClean="0"/>
-              <a:t> </a:t>
-            </a:r>
-            <a:r>
-              <a:rPr lang="hu-HU" dirty="0" err="1" smtClean="0"/>
-              <a:t>for</a:t>
-            </a:r>
-            <a:r>
-              <a:rPr lang="hu-HU" dirty="0" smtClean="0"/>
-              <a:t> </a:t>
-            </a:r>
-            <a:r>
-              <a:rPr lang="hu-HU" dirty="0" err="1" smtClean="0"/>
-              <a:t>Netbeans</a:t>
-            </a:r>
-            <a:endParaRPr lang="en-US" dirty="0"/>
-          </a:p>
-        </p:txBody>
-      </p:sp>
-      <p:sp>
-        <p:nvSpPr>
-          <p:cNvPr id="5" name="Élőláb helye 4"/>
-          <p:cNvSpPr>
-            <a:spLocks noGrp="1"/>
-          </p:cNvSpPr>
-          <p:nvPr>
-            <p:ph type="ftr" sz="quarter" idx="16"/>
-          </p:nvPr>
-        </p:nvSpPr>
-        <p:spPr/>
-        <p:txBody>
-          <a:bodyPr/>
-          <a:lstStyle/>
-          <a:p>
-            <a:r>
               <a:rPr lang="en-US" smtClean="0"/>
               <a:t>Confidential</a:t>
             </a:r>
@@ -5712,7 +5967,7 @@
       </p:sp>
       <p:sp>
         <p:nvSpPr>
-          <p:cNvPr id="6" name="Dia számának helye 5"/>
+          <p:cNvPr id="6" name="Slide Number Placeholder 5"/>
           <p:cNvSpPr>
             <a:spLocks noGrp="1"/>
           </p:cNvSpPr>
@@ -5735,6 +5990,11 @@
         </p:txBody>
       </p:sp>
     </p:spTree>
+    <p:extLst>
+      <p:ext uri="{BB962C8B-B14F-4D97-AF65-F5344CB8AC3E}">
+        <p14:creationId xmlns:p14="http://schemas.microsoft.com/office/powerpoint/2010/main" val="4004408802"/>
+      </p:ext>
+    </p:extLst>
   </p:cSld>
   <p:clrMapOvr>
     <a:masterClrMapping/>
@@ -5774,7 +6034,7 @@
           <a:bodyPr/>
           <a:lstStyle/>
           <a:p>
-            <a:endParaRPr lang="en-US"/>
+            <a:endParaRPr lang="hu-HU"/>
           </a:p>
         </p:txBody>
       </p:sp>
@@ -5790,35 +6050,31 @@
         </p:nvSpPr>
         <p:spPr/>
         <p:txBody>
-          <a:bodyPr/>
+          <a:bodyPr>
+            <a:normAutofit lnSpcReduction="10000"/>
+          </a:bodyPr>
           <a:lstStyle/>
           <a:p>
             <a:r>
               <a:rPr lang="hu-HU" dirty="0" smtClean="0">
                 <a:hlinkClick r:id="rId2"/>
               </a:rPr>
-              <a:t>http://plugins.jetbrains.com/plugin/?</a:t>
-            </a:r>
-            <a:r>
-              <a:rPr lang="hu-HU" dirty="0" smtClean="0">
-                <a:hlinkClick r:id="rId2"/>
-              </a:rPr>
-              <a:t>id=1347</a:t>
+              <a:t>http://scala-ide.org/</a:t>
             </a:r>
             <a:endParaRPr lang="hu-HU" dirty="0" smtClean="0"/>
           </a:p>
           <a:p>
             <a:r>
               <a:rPr lang="hu-HU" dirty="0" err="1" smtClean="0"/>
-              <a:t>Pros</a:t>
-            </a:r>
-            <a:r>
-              <a:rPr lang="hu-HU" dirty="0" smtClean="0"/>
-              <a:t>: </a:t>
-            </a:r>
-            <a:r>
-              <a:rPr lang="hu-HU" dirty="0" err="1" smtClean="0"/>
-              <a:t>very</a:t>
+              <a:t>for</a:t>
+            </a:r>
+            <a:r>
+              <a:rPr lang="hu-HU" dirty="0" smtClean="0"/>
+              <a:t> Scala 2.10, </a:t>
+            </a:r>
+            <a:r>
+              <a:rPr lang="hu-HU" dirty="0" err="1" smtClean="0"/>
+              <a:t>based</a:t>
             </a:r>
             <a:r>
               <a:rPr lang="hu-HU" dirty="0" smtClean="0"/>
@@ -5826,7 +6082,7 @@
             </a:r>
             <a:r>
               <a:rPr lang="hu-HU" dirty="0" err="1" smtClean="0"/>
-              <a:t>good</a:t>
+              <a:t>on</a:t>
             </a:r>
             <a:r>
               <a:rPr lang="hu-HU" dirty="0" smtClean="0"/>
@@ -5834,13 +6090,135 @@
             </a:r>
             <a:r>
               <a:rPr lang="hu-HU" dirty="0" err="1" smtClean="0"/>
-              <a:t>codecompletion</a:t>
+              <a:t>Eclipse</a:t>
+            </a:r>
+            <a:r>
+              <a:rPr lang="hu-HU" dirty="0" smtClean="0"/>
+              <a:t> 3.7 (</a:t>
+            </a:r>
+            <a:r>
+              <a:rPr lang="hu-HU" dirty="0" err="1" smtClean="0"/>
+              <a:t>Indigo</a:t>
+            </a:r>
+            <a:r>
+              <a:rPr lang="hu-HU" dirty="0" smtClean="0"/>
+              <a:t>)</a:t>
+            </a:r>
+            <a:endParaRPr lang="hu-HU" dirty="0" smtClean="0"/>
+          </a:p>
+          <a:p>
+            <a:r>
+              <a:rPr lang="hu-HU" dirty="0" smtClean="0"/>
+              <a:t>Java 6 (JDK 7</a:t>
+            </a:r>
+            <a:r>
+              <a:rPr lang="hu-HU" dirty="0" smtClean="0"/>
+              <a:t>)</a:t>
+            </a:r>
+          </a:p>
+          <a:p>
+            <a:r>
+              <a:rPr lang="hu-HU" dirty="0" err="1" smtClean="0"/>
+              <a:t>Advantage</a:t>
+            </a:r>
+            <a:endParaRPr lang="hu-HU" dirty="0"/>
+          </a:p>
+          <a:p>
+            <a:pPr lvl="1"/>
+            <a:r>
+              <a:rPr lang="hu-HU" dirty="0" err="1" smtClean="0"/>
+              <a:t>Code</a:t>
             </a:r>
             <a:r>
               <a:rPr lang="hu-HU" dirty="0" smtClean="0"/>
               <a:t> </a:t>
             </a:r>
             <a:r>
+              <a:rPr lang="hu-HU" dirty="0" err="1" smtClean="0"/>
+              <a:t>completion</a:t>
+            </a:r>
+            <a:r>
+              <a:rPr lang="hu-HU" dirty="0" smtClean="0"/>
+              <a:t>, </a:t>
+            </a:r>
+            <a:r>
+              <a:rPr lang="hu-HU" dirty="0" err="1" smtClean="0"/>
+              <a:t>refactoring</a:t>
+            </a:r>
+            <a:r>
+              <a:rPr lang="hu-HU" dirty="0" smtClean="0"/>
+              <a:t>, etc.</a:t>
+            </a:r>
+          </a:p>
+          <a:p>
+            <a:pPr lvl="1"/>
+            <a:r>
+              <a:rPr lang="hu-HU" dirty="0" err="1" smtClean="0"/>
+              <a:t>Worksheet</a:t>
+            </a:r>
+            <a:r>
+              <a:rPr lang="hu-HU" dirty="0" smtClean="0"/>
+              <a:t> </a:t>
+            </a:r>
+            <a:r>
+              <a:rPr lang="hu-HU" dirty="0" err="1" smtClean="0"/>
+              <a:t>support</a:t>
+            </a:r>
+            <a:r>
+              <a:rPr lang="hu-HU" dirty="0" smtClean="0"/>
+              <a:t> (</a:t>
+            </a:r>
+            <a:r>
+              <a:rPr lang="hu-HU" dirty="0" err="1" smtClean="0"/>
+              <a:t>fast</a:t>
+            </a:r>
+            <a:r>
+              <a:rPr lang="hu-HU" dirty="0" smtClean="0"/>
+              <a:t>)</a:t>
+            </a:r>
+          </a:p>
+          <a:p>
+            <a:r>
+              <a:rPr lang="hu-HU" dirty="0" err="1" smtClean="0"/>
+              <a:t>Disadvantage</a:t>
+            </a:r>
+            <a:endParaRPr lang="hu-HU" dirty="0" smtClean="0"/>
+          </a:p>
+          <a:p>
+            <a:pPr lvl="1"/>
+            <a:r>
+              <a:rPr lang="hu-HU" dirty="0" err="1" smtClean="0"/>
+              <a:t>Bugs</a:t>
+            </a:r>
+            <a:r>
+              <a:rPr lang="hu-HU" dirty="0" smtClean="0"/>
+              <a:t> </a:t>
+            </a:r>
+            <a:r>
+              <a:rPr lang="hu-HU" dirty="0" err="1" smtClean="0"/>
+              <a:t>in</a:t>
+            </a:r>
+            <a:r>
+              <a:rPr lang="hu-HU" dirty="0" smtClean="0"/>
+              <a:t> </a:t>
+            </a:r>
+            <a:r>
+              <a:rPr lang="hu-HU" dirty="0" err="1" smtClean="0"/>
+              <a:t>code</a:t>
+            </a:r>
+            <a:r>
+              <a:rPr lang="hu-HU" dirty="0" smtClean="0"/>
+              <a:t> </a:t>
+            </a:r>
+            <a:r>
+              <a:rPr lang="hu-HU" dirty="0" err="1" smtClean="0"/>
+              <a:t>completion</a:t>
+            </a:r>
+            <a:r>
+              <a:rPr lang="hu-HU" dirty="0"/>
+              <a:t> </a:t>
+            </a:r>
+            <a:r>
               <a:rPr lang="hu-HU" dirty="0" smtClean="0"/>
               <a:t>and </a:t>
             </a:r>
@@ -5851,36 +6229,12 @@
             <a:endParaRPr lang="hu-HU" dirty="0" smtClean="0"/>
           </a:p>
           <a:p>
-            <a:r>
-              <a:rPr lang="hu-HU" dirty="0" err="1" smtClean="0"/>
-              <a:t>Cons</a:t>
-            </a:r>
-            <a:r>
-              <a:rPr lang="hu-HU" dirty="0" smtClean="0"/>
-              <a:t>: </a:t>
-            </a:r>
-            <a:r>
-              <a:rPr lang="hu-HU" dirty="0" err="1" smtClean="0"/>
-              <a:t>worksheet</a:t>
-            </a:r>
-            <a:r>
-              <a:rPr lang="hu-HU" dirty="0" smtClean="0"/>
-              <a:t> </a:t>
-            </a:r>
-            <a:r>
-              <a:rPr lang="hu-HU" dirty="0" err="1" smtClean="0"/>
-              <a:t>evaluatiaon</a:t>
-            </a:r>
-            <a:r>
-              <a:rPr lang="hu-HU" dirty="0" smtClean="0"/>
-              <a:t> is </a:t>
-            </a:r>
-            <a:r>
-              <a:rPr lang="hu-HU" dirty="0" err="1" smtClean="0"/>
-              <a:t>slow</a:t>
-            </a:r>
+            <a:pPr lvl="1"/>
             <a:endParaRPr lang="hu-HU" dirty="0" smtClean="0"/>
           </a:p>
+          <a:p>
+            <a:endParaRPr lang="hu-HU" dirty="0" smtClean="0"/>
+          </a:p>
         </p:txBody>
       </p:sp>
       <p:sp>
@@ -5893,47 +6247,22 @@
             <p:ph type="title"/>
           </p:nvPr>
         </p:nvSpPr>
-        <p:spPr>
-          <a:xfrm>
-            <a:off x="457200" y="274638"/>
-            <a:ext cx="8686800" cy="548355"/>
-          </a:xfrm>
-        </p:spPr>
+        <p:spPr/>
         <p:txBody>
           <a:bodyPr/>
           <a:lstStyle/>
           <a:p>
             <a:r>
               <a:rPr lang="hu-HU" dirty="0" smtClean="0"/>
-              <a:t>Scala </a:t>
-            </a:r>
-            <a:r>
-              <a:rPr lang="hu-HU" dirty="0" err="1" smtClean="0"/>
-              <a:t>plugin</a:t>
-            </a:r>
-            <a:r>
-              <a:rPr lang="hu-HU" dirty="0" smtClean="0"/>
-              <a:t> </a:t>
-            </a:r>
-            <a:r>
-              <a:rPr lang="hu-HU" dirty="0" err="1" smtClean="0"/>
-              <a:t>for</a:t>
-            </a:r>
-            <a:r>
-              <a:rPr lang="hu-HU" dirty="0" smtClean="0"/>
-              <a:t> </a:t>
-            </a:r>
-            <a:r>
-              <a:rPr lang="hu-HU" dirty="0" err="1" smtClean="0"/>
-              <a:t>IntellJ</a:t>
-            </a:r>
-            <a:r>
-              <a:rPr lang="hu-HU" dirty="0" smtClean="0"/>
-              <a:t> </a:t>
-            </a:r>
-            <a:r>
-              <a:rPr lang="hu-HU" dirty="0" smtClean="0"/>
-              <a:t>IDEA</a:t>
+              <a:t>Scala IDE </a:t>
+            </a:r>
+            <a:r>
+              <a:rPr lang="en-US" dirty="0" smtClean="0"/>
+              <a:t>for Eclipse</a:t>
+            </a:r>
+            <a:r>
+              <a:rPr lang="hu-HU" dirty="0" smtClean="0"/>
+              <a:t> 3.01</a:t>
             </a:r>
             <a:endParaRPr lang="en-US" dirty="0"/>
           </a:p>
@@ -6013,12 +6342,12 @@
       </p:grpSpPr>
       <p:sp>
         <p:nvSpPr>
-          <p:cNvPr id="2" name="Élőláb helye 1"/>
-          <p:cNvSpPr>
-            <a:spLocks noGrp="1"/>
-          </p:cNvSpPr>
-          <p:nvPr>
-            <p:ph type="ftr" sz="quarter" idx="11"/>
+          <p:cNvPr id="2" name="Szöveg helye 1"/>
+          <p:cNvSpPr>
+            <a:spLocks noGrp="1"/>
+          </p:cNvSpPr>
+          <p:nvPr>
+            <p:ph type="body" sz="quarter" idx="13"/>
           </p:nvPr>
         </p:nvSpPr>
         <p:spPr/>
@@ -6026,6 +6355,192 @@
           <a:bodyPr/>
           <a:lstStyle/>
           <a:p>
+            <a:endParaRPr lang="en-US"/>
+          </a:p>
+        </p:txBody>
+      </p:sp>
+      <p:sp>
+        <p:nvSpPr>
+          <p:cNvPr id="3" name="Tartalom helye 2"/>
+          <p:cNvSpPr>
+            <a:spLocks noGrp="1"/>
+          </p:cNvSpPr>
+          <p:nvPr>
+            <p:ph sz="quarter" idx="14"/>
+          </p:nvPr>
+        </p:nvSpPr>
+        <p:spPr/>
+        <p:txBody>
+          <a:bodyPr/>
+          <a:lstStyle/>
+          <a:p>
+            <a:r>
+              <a:rPr lang="hu-HU" dirty="0" smtClean="0">
+                <a:hlinkClick r:id="rId2"/>
+              </a:rPr>
+              <a:t>http://plugins.jetbrains.com/plugin/?id=1347</a:t>
+            </a:r>
+            <a:endParaRPr lang="hu-HU" dirty="0" smtClean="0"/>
+          </a:p>
+          <a:p>
+            <a:r>
+              <a:rPr lang="hu-HU" dirty="0" err="1" smtClean="0"/>
+              <a:t>Adventage</a:t>
+            </a:r>
+            <a:endParaRPr lang="hu-HU" dirty="0"/>
+          </a:p>
+          <a:p>
+            <a:pPr lvl="1"/>
+            <a:r>
+              <a:rPr lang="hu-HU" dirty="0" err="1"/>
+              <a:t>V</a:t>
+            </a:r>
+            <a:r>
+              <a:rPr lang="hu-HU" dirty="0" err="1" smtClean="0"/>
+              <a:t>ery</a:t>
+            </a:r>
+            <a:r>
+              <a:rPr lang="hu-HU" dirty="0" smtClean="0"/>
+              <a:t> </a:t>
+            </a:r>
+            <a:r>
+              <a:rPr lang="hu-HU" dirty="0" err="1" smtClean="0"/>
+              <a:t>good</a:t>
+            </a:r>
+            <a:r>
+              <a:rPr lang="hu-HU" dirty="0" smtClean="0"/>
+              <a:t> </a:t>
+            </a:r>
+            <a:r>
+              <a:rPr lang="hu-HU" dirty="0" err="1" smtClean="0"/>
+              <a:t>codecompletion</a:t>
+            </a:r>
+            <a:r>
+              <a:rPr lang="hu-HU" dirty="0" smtClean="0"/>
+              <a:t> and </a:t>
+            </a:r>
+            <a:r>
+              <a:rPr lang="hu-HU" dirty="0" err="1" smtClean="0"/>
+              <a:t>refactoring</a:t>
+            </a:r>
+            <a:endParaRPr lang="hu-HU" dirty="0" smtClean="0"/>
+          </a:p>
+          <a:p>
+            <a:pPr lvl="1"/>
+            <a:r>
+              <a:rPr lang="hu-HU" dirty="0" err="1" smtClean="0"/>
+              <a:t>Worksheet</a:t>
+            </a:r>
+            <a:r>
+              <a:rPr lang="hu-HU" dirty="0" smtClean="0"/>
+              <a:t> </a:t>
+            </a:r>
+            <a:r>
+              <a:rPr lang="hu-HU" dirty="0" err="1" smtClean="0"/>
+              <a:t>support</a:t>
+            </a:r>
+            <a:endParaRPr lang="hu-HU" dirty="0" smtClean="0"/>
+          </a:p>
+          <a:p>
+            <a:r>
+              <a:rPr lang="hu-HU" dirty="0" err="1" smtClean="0"/>
+              <a:t>Disadvantage</a:t>
+            </a:r>
+            <a:endParaRPr lang="hu-HU" dirty="0" smtClean="0"/>
+          </a:p>
+          <a:p>
+            <a:pPr lvl="1"/>
+            <a:r>
+              <a:rPr lang="hu-HU" dirty="0" err="1" smtClean="0"/>
+              <a:t>Worksheet</a:t>
+            </a:r>
+            <a:r>
+              <a:rPr lang="hu-HU" dirty="0" smtClean="0"/>
+              <a:t> </a:t>
+            </a:r>
+            <a:r>
+              <a:rPr lang="hu-HU" dirty="0" err="1" smtClean="0"/>
+              <a:t>evaluatiaon</a:t>
+            </a:r>
+            <a:r>
+              <a:rPr lang="hu-HU" dirty="0" smtClean="0"/>
+              <a:t> is </a:t>
+            </a:r>
+            <a:r>
+              <a:rPr lang="hu-HU" dirty="0" err="1" smtClean="0"/>
+              <a:t>slow</a:t>
+            </a:r>
+            <a:endParaRPr lang="hu-HU" dirty="0" smtClean="0"/>
+          </a:p>
+        </p:txBody>
+      </p:sp>
+      <p:sp>
+        <p:nvSpPr>
+          <p:cNvPr id="4" name="Cím 3"/>
+          <p:cNvSpPr>
+            <a:spLocks noGrp="1"/>
+          </p:cNvSpPr>
+          <p:nvPr>
+            <p:ph type="title"/>
+          </p:nvPr>
+        </p:nvSpPr>
+        <p:spPr>
+          <a:xfrm>
+            <a:off x="457200" y="274638"/>
+            <a:ext cx="8686800" cy="548355"/>
+          </a:xfrm>
+        </p:spPr>
+        <p:txBody>
+          <a:bodyPr/>
+          <a:lstStyle/>
+          <a:p>
+            <a:r>
+              <a:rPr lang="hu-HU" dirty="0" smtClean="0"/>
+              <a:t>Scala </a:t>
+            </a:r>
+            <a:r>
+              <a:rPr lang="hu-HU" dirty="0" err="1" smtClean="0"/>
+              <a:t>plugin</a:t>
+            </a:r>
+            <a:r>
+              <a:rPr lang="hu-HU" dirty="0" smtClean="0"/>
+              <a:t> </a:t>
+            </a:r>
+            <a:r>
+              <a:rPr lang="hu-HU" dirty="0" err="1" smtClean="0"/>
+              <a:t>for</a:t>
+            </a:r>
+            <a:r>
+              <a:rPr lang="hu-HU" dirty="0" smtClean="0"/>
+              <a:t> </a:t>
+            </a:r>
+            <a:r>
+              <a:rPr lang="hu-HU" dirty="0" err="1" smtClean="0"/>
+              <a:t>IntellJ</a:t>
+            </a:r>
+            <a:r>
+              <a:rPr lang="hu-HU" dirty="0" smtClean="0"/>
+              <a:t> IDEA</a:t>
+            </a:r>
+            <a:endParaRPr lang="en-US" dirty="0"/>
+          </a:p>
+        </p:txBody>
+      </p:sp>
+      <p:sp>
+        <p:nvSpPr>
+          <p:cNvPr id="5" name="Élőláb helye 4"/>
+          <p:cNvSpPr>
+            <a:spLocks noGrp="1"/>
+          </p:cNvSpPr>
+          <p:nvPr>
+            <p:ph type="ftr" sz="quarter" idx="16"/>
+          </p:nvPr>
+        </p:nvSpPr>
+        <p:spPr/>
+        <p:txBody>
+          <a:bodyPr/>
+          <a:lstStyle/>
+          <a:p>
             <a:r>
               <a:rPr lang="en-US" smtClean="0"/>
               <a:t>Confidential</a:t>
@@ -6036,12 +6551,12 @@
       </p:sp>
       <p:sp>
         <p:nvSpPr>
-          <p:cNvPr id="3" name="Dia számának helye 2"/>
-          <p:cNvSpPr>
-            <a:spLocks noGrp="1"/>
-          </p:cNvSpPr>
-          <p:nvPr>
-            <p:ph type="sldNum" sz="quarter" idx="12"/>
+          <p:cNvPr id="6" name="Dia számának helye 5"/>
+          <p:cNvSpPr>
+            <a:spLocks noGrp="1"/>
+          </p:cNvSpPr>
+          <p:nvPr>
+            <p:ph type="sldNum" sz="quarter" idx="17"/>
           </p:nvPr>
         </p:nvSpPr>
         <p:spPr/>
@@ -6053,6 +6568,580 @@
               <a:rPr lang="en-US" smtClean="0"/>
               <a:pPr/>
               <a:t>5</a:t>
+            </a:fld>
+            <a:endParaRPr lang="en-US" dirty="0"/>
+          </a:p>
+        </p:txBody>
+      </p:sp>
+    </p:spTree>
+  </p:cSld>
+  <p:clrMapOvr>
+    <a:masterClrMapping/>
+  </p:clrMapOvr>
+</p:sld>
+</file>
+
+<file path=ppt/slides/slide6.xml><?xml version="1.0" encoding="utf-8"?>
+<p:sld xmlns:a="http://schemas.openxmlformats.org/drawingml/2006/main" xmlns:r="http://schemas.openxmlformats.org/officeDocument/2006/relationships" xmlns:p="http://schemas.openxmlformats.org/presentationml/2006/main">
+  <p:cSld>
+    <p:spTree>
+      <p:nvGrpSpPr>
+        <p:cNvPr id="1" name=""/>
+        <p:cNvGrpSpPr/>
+        <p:nvPr/>
+      </p:nvGrpSpPr>
+      <p:grpSpPr>
+        <a:xfrm>
+          <a:off x="0" y="0"/>
+          <a:ext cx="0" cy="0"/>
+          <a:chOff x="0" y="0"/>
+          <a:chExt cx="0" cy="0"/>
+        </a:xfrm>
+      </p:grpSpPr>
+      <p:sp>
+        <p:nvSpPr>
+          <p:cNvPr id="2" name="Szöveg helye 1"/>
+          <p:cNvSpPr>
+            <a:spLocks noGrp="1"/>
+          </p:cNvSpPr>
+          <p:nvPr>
+            <p:ph type="body" sz="quarter" idx="13"/>
+          </p:nvPr>
+        </p:nvSpPr>
+        <p:spPr/>
+        <p:txBody>
+          <a:bodyPr/>
+          <a:lstStyle/>
+          <a:p>
+            <a:endParaRPr lang="en-US"/>
+          </a:p>
+        </p:txBody>
+      </p:sp>
+      <p:sp>
+        <p:nvSpPr>
+          <p:cNvPr id="3" name="Tartalom helye 2"/>
+          <p:cNvSpPr>
+            <a:spLocks noGrp="1"/>
+          </p:cNvSpPr>
+          <p:nvPr>
+            <p:ph sz="quarter" idx="14"/>
+          </p:nvPr>
+        </p:nvSpPr>
+        <p:spPr/>
+        <p:txBody>
+          <a:bodyPr/>
+          <a:lstStyle/>
+          <a:p>
+            <a:r>
+              <a:rPr lang="en-US" dirty="0" smtClean="0"/>
+              <a:t>Project home: </a:t>
+            </a:r>
+            <a:r>
+              <a:rPr lang="en-US" dirty="0" smtClean="0">
+                <a:hlinkClick r:id="rId2"/>
+              </a:rPr>
+              <a:t>https://github.com/dcaoyuan/nbscala</a:t>
+            </a:r>
+            <a:endParaRPr lang="en-US" dirty="0" smtClean="0"/>
+          </a:p>
+          <a:p>
+            <a:r>
+              <a:rPr lang="en-US" dirty="0" smtClean="0"/>
+              <a:t>Latest </a:t>
+            </a:r>
+            <a:r>
+              <a:rPr lang="en-US" dirty="0" err="1" smtClean="0"/>
+              <a:t>plugin</a:t>
+            </a:r>
+            <a:r>
+              <a:rPr lang="en-US" dirty="0" smtClean="0"/>
+              <a:t> artifact: </a:t>
+            </a:r>
+            <a:r>
+              <a:rPr lang="en-US" sz="2800" dirty="0" smtClean="0"/>
+              <a:t>7.x_2.10.x, 2013-03-11</a:t>
+            </a:r>
+          </a:p>
+          <a:p>
+            <a:r>
+              <a:rPr lang="en-US" dirty="0" smtClean="0"/>
+              <a:t>Very small community, small number of users</a:t>
+            </a:r>
+          </a:p>
+          <a:p>
+            <a:endParaRPr lang="en-US" dirty="0"/>
+          </a:p>
+        </p:txBody>
+      </p:sp>
+      <p:sp>
+        <p:nvSpPr>
+          <p:cNvPr id="4" name="Cím 3"/>
+          <p:cNvSpPr>
+            <a:spLocks noGrp="1"/>
+          </p:cNvSpPr>
+          <p:nvPr>
+            <p:ph type="title"/>
+          </p:nvPr>
+        </p:nvSpPr>
+        <p:spPr/>
+        <p:txBody>
+          <a:bodyPr/>
+          <a:lstStyle/>
+          <a:p>
+            <a:r>
+              <a:rPr lang="hu-HU" dirty="0" smtClean="0"/>
+              <a:t>Scala </a:t>
+            </a:r>
+            <a:r>
+              <a:rPr lang="en-US" dirty="0" err="1" smtClean="0"/>
+              <a:t>plugin</a:t>
+            </a:r>
+            <a:r>
+              <a:rPr lang="hu-HU" dirty="0" smtClean="0"/>
+              <a:t> </a:t>
+            </a:r>
+            <a:r>
+              <a:rPr lang="hu-HU" dirty="0" err="1" smtClean="0"/>
+              <a:t>for</a:t>
+            </a:r>
+            <a:r>
+              <a:rPr lang="hu-HU" dirty="0" smtClean="0"/>
+              <a:t> </a:t>
+            </a:r>
+            <a:r>
+              <a:rPr lang="hu-HU" dirty="0" err="1" smtClean="0"/>
+              <a:t>Netbeans</a:t>
+            </a:r>
+            <a:endParaRPr lang="en-US" dirty="0"/>
+          </a:p>
+        </p:txBody>
+      </p:sp>
+      <p:sp>
+        <p:nvSpPr>
+          <p:cNvPr id="5" name="Élőláb helye 4"/>
+          <p:cNvSpPr>
+            <a:spLocks noGrp="1"/>
+          </p:cNvSpPr>
+          <p:nvPr>
+            <p:ph type="ftr" sz="quarter" idx="16"/>
+          </p:nvPr>
+        </p:nvSpPr>
+        <p:spPr/>
+        <p:txBody>
+          <a:bodyPr/>
+          <a:lstStyle/>
+          <a:p>
+            <a:r>
+              <a:rPr lang="en-US" smtClean="0"/>
+              <a:t>Confidential</a:t>
+            </a:r>
+            <a:endParaRPr lang="en-US" dirty="0"/>
+          </a:p>
+        </p:txBody>
+      </p:sp>
+      <p:sp>
+        <p:nvSpPr>
+          <p:cNvPr id="6" name="Dia számának helye 5"/>
+          <p:cNvSpPr>
+            <a:spLocks noGrp="1"/>
+          </p:cNvSpPr>
+          <p:nvPr>
+            <p:ph type="sldNum" sz="quarter" idx="17"/>
+          </p:nvPr>
+        </p:nvSpPr>
+        <p:spPr/>
+        <p:txBody>
+          <a:bodyPr/>
+          <a:lstStyle/>
+          <a:p>
+            <a:fld id="{F39628E0-47A7-46CE-98F3-6986F46F7576}" type="slidenum">
+              <a:rPr lang="en-US" smtClean="0"/>
+              <a:pPr/>
+              <a:t>6</a:t>
+            </a:fld>
+            <a:endParaRPr lang="en-US" dirty="0"/>
+          </a:p>
+        </p:txBody>
+      </p:sp>
+    </p:spTree>
+  </p:cSld>
+  <p:clrMapOvr>
+    <a:masterClrMapping/>
+  </p:clrMapOvr>
+</p:sld>
+</file>
+
+<file path=ppt/slides/slide7.xml><?xml version="1.0" encoding="utf-8"?>
+<p:sld xmlns:a="http://schemas.openxmlformats.org/drawingml/2006/main" xmlns:r="http://schemas.openxmlformats.org/officeDocument/2006/relationships" xmlns:p="http://schemas.openxmlformats.org/presentationml/2006/main">
+  <p:cSld>
+    <p:spTree>
+      <p:nvGrpSpPr>
+        <p:cNvPr id="1" name=""/>
+        <p:cNvGrpSpPr/>
+        <p:nvPr/>
+      </p:nvGrpSpPr>
+      <p:grpSpPr>
+        <a:xfrm>
+          <a:off x="0" y="0"/>
+          <a:ext cx="0" cy="0"/>
+          <a:chOff x="0" y="0"/>
+          <a:chExt cx="0" cy="0"/>
+        </a:xfrm>
+      </p:grpSpPr>
+      <p:sp>
+        <p:nvSpPr>
+          <p:cNvPr id="2" name="Text Placeholder 1"/>
+          <p:cNvSpPr>
+            <a:spLocks noGrp="1"/>
+          </p:cNvSpPr>
+          <p:nvPr>
+            <p:ph type="body" sz="quarter" idx="13"/>
+          </p:nvPr>
+        </p:nvSpPr>
+        <p:spPr/>
+        <p:txBody>
+          <a:bodyPr/>
+          <a:lstStyle/>
+          <a:p>
+            <a:endParaRPr lang="en-US"/>
+          </a:p>
+        </p:txBody>
+      </p:sp>
+      <p:sp>
+        <p:nvSpPr>
+          <p:cNvPr id="3" name="Content Placeholder 2"/>
+          <p:cNvSpPr>
+            <a:spLocks noGrp="1"/>
+          </p:cNvSpPr>
+          <p:nvPr>
+            <p:ph sz="quarter" idx="14"/>
+          </p:nvPr>
+        </p:nvSpPr>
+        <p:spPr/>
+        <p:txBody>
+          <a:bodyPr/>
+          <a:lstStyle/>
+          <a:p>
+            <a:r>
+              <a:rPr lang="hu-HU" dirty="0" smtClean="0"/>
+              <a:t>Home: </a:t>
+            </a:r>
+            <a:r>
+              <a:rPr lang="en-US" dirty="0">
+                <a:hlinkClick r:id="rId2"/>
+              </a:rPr>
+              <a:t>http://www.scala-sbt.org</a:t>
+            </a:r>
+            <a:r>
+              <a:rPr lang="en-US" dirty="0" smtClean="0">
+                <a:hlinkClick r:id="rId2"/>
+              </a:rPr>
+              <a:t>/</a:t>
+            </a:r>
+            <a:endParaRPr lang="hu-HU" dirty="0" smtClean="0"/>
+          </a:p>
+          <a:p>
+            <a:r>
+              <a:rPr lang="en-US" dirty="0" smtClean="0"/>
+              <a:t>Maven like file structure or just a simple directory </a:t>
+            </a:r>
+          </a:p>
+          <a:p>
+            <a:r>
+              <a:rPr lang="en-US" dirty="0" smtClean="0"/>
+              <a:t>Dependency </a:t>
+            </a:r>
+            <a:r>
+              <a:rPr lang="hu-HU" dirty="0" smtClean="0"/>
+              <a:t>management : </a:t>
+            </a:r>
+            <a:r>
+              <a:rPr lang="hu-HU" dirty="0" err="1" smtClean="0"/>
+              <a:t>Ivy</a:t>
+            </a:r>
+            <a:endParaRPr lang="hu-HU" dirty="0"/>
+          </a:p>
+          <a:p>
+            <a:r>
+              <a:rPr lang="hu-HU" dirty="0" smtClean="0"/>
+              <a:t>Project </a:t>
+            </a:r>
+            <a:r>
+              <a:rPr lang="hu-HU" dirty="0" err="1" smtClean="0"/>
+              <a:t>configuraion</a:t>
+            </a:r>
+            <a:r>
+              <a:rPr lang="hu-HU" dirty="0" smtClean="0"/>
+              <a:t> </a:t>
+            </a:r>
+            <a:r>
+              <a:rPr lang="hu-HU" dirty="0" err="1" smtClean="0"/>
+              <a:t>in</a:t>
+            </a:r>
+            <a:r>
+              <a:rPr lang="hu-HU" dirty="0" smtClean="0"/>
+              <a:t> .</a:t>
+            </a:r>
+            <a:r>
+              <a:rPr lang="hu-HU" dirty="0" err="1" smtClean="0"/>
+              <a:t>sbt</a:t>
+            </a:r>
+            <a:r>
+              <a:rPr lang="hu-HU" dirty="0" smtClean="0"/>
+              <a:t> </a:t>
+            </a:r>
+            <a:r>
+              <a:rPr lang="hu-HU" dirty="0" err="1" smtClean="0"/>
+              <a:t>or</a:t>
+            </a:r>
+            <a:r>
+              <a:rPr lang="hu-HU" dirty="0" smtClean="0"/>
+              <a:t> .</a:t>
+            </a:r>
+            <a:r>
+              <a:rPr lang="hu-HU" dirty="0" err="1" smtClean="0"/>
+              <a:t>scala</a:t>
+            </a:r>
+            <a:r>
+              <a:rPr lang="hu-HU" dirty="0" smtClean="0"/>
+              <a:t> </a:t>
+            </a:r>
+            <a:r>
+              <a:rPr lang="hu-HU" dirty="0" err="1" smtClean="0"/>
+              <a:t>files</a:t>
+            </a:r>
+            <a:endParaRPr lang="hu-HU" dirty="0" smtClean="0"/>
+          </a:p>
+          <a:p>
+            <a:r>
+              <a:rPr lang="hu-HU" dirty="0" smtClean="0"/>
+              <a:t>Scala </a:t>
+            </a:r>
+            <a:r>
+              <a:rPr lang="hu-HU" dirty="0" err="1" smtClean="0"/>
+              <a:t>console</a:t>
+            </a:r>
+            <a:r>
+              <a:rPr lang="hu-HU" dirty="0" smtClean="0"/>
+              <a:t> (REPL) </a:t>
+            </a:r>
+            <a:r>
+              <a:rPr lang="hu-HU" dirty="0" err="1" smtClean="0"/>
+              <a:t>can</a:t>
+            </a:r>
+            <a:r>
+              <a:rPr lang="hu-HU" dirty="0" smtClean="0"/>
+              <a:t> be </a:t>
+            </a:r>
+            <a:r>
+              <a:rPr lang="hu-HU" dirty="0" err="1" smtClean="0"/>
+              <a:t>started</a:t>
+            </a:r>
+            <a:r>
+              <a:rPr lang="hu-HU" dirty="0" smtClean="0"/>
+              <a:t> </a:t>
+            </a:r>
+            <a:r>
+              <a:rPr lang="hu-HU" dirty="0" err="1" smtClean="0"/>
+              <a:t>from</a:t>
+            </a:r>
+            <a:r>
+              <a:rPr lang="hu-HU" dirty="0" smtClean="0"/>
+              <a:t> </a:t>
+            </a:r>
+            <a:r>
+              <a:rPr lang="hu-HU" dirty="0" err="1" smtClean="0"/>
+              <a:t>sbt</a:t>
+            </a:r>
+            <a:r>
+              <a:rPr lang="hu-HU" dirty="0" smtClean="0"/>
+              <a:t> prompt, project </a:t>
+            </a:r>
+            <a:r>
+              <a:rPr lang="hu-HU" dirty="0" err="1" smtClean="0"/>
+              <a:t>classes</a:t>
+            </a:r>
+            <a:r>
+              <a:rPr lang="hu-HU" dirty="0" smtClean="0"/>
+              <a:t> </a:t>
+            </a:r>
+            <a:r>
+              <a:rPr lang="hu-HU" dirty="0" err="1" smtClean="0"/>
+              <a:t>are</a:t>
+            </a:r>
+            <a:r>
+              <a:rPr lang="hu-HU" dirty="0" smtClean="0"/>
+              <a:t> </a:t>
+            </a:r>
+            <a:r>
+              <a:rPr lang="hu-HU" dirty="0" err="1" smtClean="0"/>
+              <a:t>loaded</a:t>
+            </a:r>
+            <a:r>
+              <a:rPr lang="hu-HU" dirty="0" smtClean="0"/>
+              <a:t> </a:t>
+            </a:r>
+            <a:r>
+              <a:rPr lang="hu-HU" dirty="0" err="1" smtClean="0"/>
+              <a:t>in</a:t>
+            </a:r>
+            <a:endParaRPr lang="en-US" dirty="0" smtClean="0"/>
+          </a:p>
+          <a:p>
+            <a:endParaRPr lang="en-US" dirty="0"/>
+          </a:p>
+        </p:txBody>
+      </p:sp>
+      <p:sp>
+        <p:nvSpPr>
+          <p:cNvPr id="4" name="Title 3"/>
+          <p:cNvSpPr>
+            <a:spLocks noGrp="1"/>
+          </p:cNvSpPr>
+          <p:nvPr>
+            <p:ph type="title"/>
+          </p:nvPr>
+        </p:nvSpPr>
+        <p:spPr/>
+        <p:txBody>
+          <a:bodyPr/>
+          <a:lstStyle/>
+          <a:p>
+            <a:r>
+              <a:rPr lang="hu-HU" dirty="0" smtClean="0"/>
+              <a:t>SBT (</a:t>
+            </a:r>
+            <a:r>
+              <a:rPr lang="en-US" dirty="0" smtClean="0"/>
+              <a:t>Simple Build Tool</a:t>
+            </a:r>
+            <a:r>
+              <a:rPr lang="hu-HU" dirty="0" smtClean="0"/>
+              <a:t>)</a:t>
+            </a:r>
+            <a:endParaRPr lang="en-US" dirty="0"/>
+          </a:p>
+        </p:txBody>
+      </p:sp>
+      <p:sp>
+        <p:nvSpPr>
+          <p:cNvPr id="5" name="Footer Placeholder 4"/>
+          <p:cNvSpPr>
+            <a:spLocks noGrp="1"/>
+          </p:cNvSpPr>
+          <p:nvPr>
+            <p:ph type="ftr" sz="quarter" idx="16"/>
+          </p:nvPr>
+        </p:nvSpPr>
+        <p:spPr/>
+        <p:txBody>
+          <a:bodyPr/>
+          <a:lstStyle/>
+          <a:p>
+            <a:r>
+              <a:rPr lang="en-US" smtClean="0"/>
+              <a:t>Confidential</a:t>
+            </a:r>
+            <a:endParaRPr lang="en-US" dirty="0"/>
+          </a:p>
+        </p:txBody>
+      </p:sp>
+      <p:sp>
+        <p:nvSpPr>
+          <p:cNvPr id="6" name="Slide Number Placeholder 5"/>
+          <p:cNvSpPr>
+            <a:spLocks noGrp="1"/>
+          </p:cNvSpPr>
+          <p:nvPr>
+            <p:ph type="sldNum" sz="quarter" idx="17"/>
+          </p:nvPr>
+        </p:nvSpPr>
+        <p:spPr/>
+        <p:txBody>
+          <a:bodyPr/>
+          <a:lstStyle/>
+          <a:p>
+            <a:fld id="{F39628E0-47A7-46CE-98F3-6986F46F7576}" type="slidenum">
+              <a:rPr lang="en-US" smtClean="0"/>
+              <a:pPr/>
+              <a:t>7</a:t>
+            </a:fld>
+            <a:endParaRPr lang="en-US" dirty="0"/>
+          </a:p>
+        </p:txBody>
+      </p:sp>
+    </p:spTree>
+    <p:extLst>
+      <p:ext uri="{BB962C8B-B14F-4D97-AF65-F5344CB8AC3E}">
+        <p14:creationId xmlns:p14="http://schemas.microsoft.com/office/powerpoint/2010/main" val="889110124"/>
+      </p:ext>
+    </p:extLst>
+  </p:cSld>
+  <p:clrMapOvr>
+    <a:masterClrMapping/>
+  </p:clrMapOvr>
+</p:sld>
+</file>
+
+<file path=ppt/slides/slide8.xml><?xml version="1.0" encoding="utf-8"?>
+<p:sld xmlns:a="http://schemas.openxmlformats.org/drawingml/2006/main" xmlns:r="http://schemas.openxmlformats.org/officeDocument/2006/relationships" xmlns:p="http://schemas.openxmlformats.org/presentationml/2006/main">
+  <p:cSld>
+    <p:spTree>
+      <p:nvGrpSpPr>
+        <p:cNvPr id="1" name=""/>
+        <p:cNvGrpSpPr/>
+        <p:nvPr/>
+      </p:nvGrpSpPr>
+      <p:grpSpPr>
+        <a:xfrm>
+          <a:off x="0" y="0"/>
+          <a:ext cx="0" cy="0"/>
+          <a:chOff x="0" y="0"/>
+          <a:chExt cx="0" cy="0"/>
+        </a:xfrm>
+      </p:grpSpPr>
+      <p:sp>
+        <p:nvSpPr>
+          <p:cNvPr id="2" name="Élőláb helye 1"/>
+          <p:cNvSpPr>
+            <a:spLocks noGrp="1"/>
+          </p:cNvSpPr>
+          <p:nvPr>
+            <p:ph type="ftr" sz="quarter" idx="11"/>
+          </p:nvPr>
+        </p:nvSpPr>
+        <p:spPr/>
+        <p:txBody>
+          <a:bodyPr/>
+          <a:lstStyle/>
+          <a:p>
+            <a:r>
+              <a:rPr lang="en-US" smtClean="0"/>
+              <a:t>Confidential</a:t>
+            </a:r>
+            <a:endParaRPr lang="en-US" dirty="0"/>
+          </a:p>
+        </p:txBody>
+      </p:sp>
+      <p:sp>
+        <p:nvSpPr>
+          <p:cNvPr id="3" name="Dia számának helye 2"/>
+          <p:cNvSpPr>
+            <a:spLocks noGrp="1"/>
+          </p:cNvSpPr>
+          <p:nvPr>
+            <p:ph type="sldNum" sz="quarter" idx="12"/>
+          </p:nvPr>
+        </p:nvSpPr>
+        <p:spPr/>
+        <p:txBody>
+          <a:bodyPr/>
+          <a:lstStyle/>
+          <a:p>
+            <a:fld id="{F39628E0-47A7-46CE-98F3-6986F46F7576}" type="slidenum">
+              <a:rPr lang="en-US" smtClean="0"/>
+              <a:pPr/>
+              <a:t>8</a:t>
             </a:fld>
             <a:endParaRPr lang="en-US" dirty="0"/>
           </a:p>
